--- a/8基督再來.pptx
+++ b/8基督再來.pptx
@@ -8,9 +8,10 @@
     <p:sldId id="256" r:id="rId2"/>
     <p:sldId id="257" r:id="rId3"/>
     <p:sldId id="263" r:id="rId4"/>
-    <p:sldId id="265" r:id="rId5"/>
-    <p:sldId id="266" r:id="rId6"/>
-    <p:sldId id="267" r:id="rId7"/>
+    <p:sldId id="268" r:id="rId5"/>
+    <p:sldId id="265" r:id="rId6"/>
+    <p:sldId id="266" r:id="rId7"/>
+    <p:sldId id="267" r:id="rId8"/>
   </p:sldIdLst>
   <p:sldSz cx="12192000" cy="6858000"/>
   <p:notesSz cx="6858000" cy="9144000"/>
@@ -310,7 +311,7 @@
             <a:fld id="{86B5546F-C09B-4E63-ABC5-F7C86A7E8D66}" type="datetimeFigureOut">
               <a:rPr lang="en-US" smtClean="0"/>
               <a:pPr/>
-              <a:t>2/21/2020</a:t>
+              <a:t>9/24/2022</a:t>
             </a:fld>
             <a:endParaRPr lang="en-US"/>
           </a:p>
@@ -482,7 +483,7 @@
             <a:fld id="{86B5546F-C09B-4E63-ABC5-F7C86A7E8D66}" type="datetimeFigureOut">
               <a:rPr lang="en-US" smtClean="0"/>
               <a:pPr/>
-              <a:t>2/21/2020</a:t>
+              <a:t>9/24/2022</a:t>
             </a:fld>
             <a:endParaRPr lang="en-US"/>
           </a:p>
@@ -664,7 +665,7 @@
             <a:fld id="{86B5546F-C09B-4E63-ABC5-F7C86A7E8D66}" type="datetimeFigureOut">
               <a:rPr lang="en-US" smtClean="0"/>
               <a:pPr/>
-              <a:t>2/21/2020</a:t>
+              <a:t>9/24/2022</a:t>
             </a:fld>
             <a:endParaRPr lang="en-US"/>
           </a:p>
@@ -836,7 +837,7 @@
             <a:fld id="{86B5546F-C09B-4E63-ABC5-F7C86A7E8D66}" type="datetimeFigureOut">
               <a:rPr lang="en-US" smtClean="0"/>
               <a:pPr/>
-              <a:t>2/21/2020</a:t>
+              <a:t>9/24/2022</a:t>
             </a:fld>
             <a:endParaRPr lang="en-US"/>
           </a:p>
@@ -1084,7 +1085,7 @@
             <a:fld id="{86B5546F-C09B-4E63-ABC5-F7C86A7E8D66}" type="datetimeFigureOut">
               <a:rPr lang="en-US" smtClean="0"/>
               <a:pPr/>
-              <a:t>2/21/2020</a:t>
+              <a:t>9/24/2022</a:t>
             </a:fld>
             <a:endParaRPr lang="en-US"/>
           </a:p>
@@ -1374,7 +1375,7 @@
             <a:fld id="{86B5546F-C09B-4E63-ABC5-F7C86A7E8D66}" type="datetimeFigureOut">
               <a:rPr lang="en-US" smtClean="0"/>
               <a:pPr/>
-              <a:t>2/21/2020</a:t>
+              <a:t>9/24/2022</a:t>
             </a:fld>
             <a:endParaRPr lang="en-US"/>
           </a:p>
@@ -1798,7 +1799,7 @@
             <a:fld id="{86B5546F-C09B-4E63-ABC5-F7C86A7E8D66}" type="datetimeFigureOut">
               <a:rPr lang="en-US" smtClean="0"/>
               <a:pPr/>
-              <a:t>2/21/2020</a:t>
+              <a:t>9/24/2022</a:t>
             </a:fld>
             <a:endParaRPr lang="en-US"/>
           </a:p>
@@ -1918,7 +1919,7 @@
             <a:fld id="{86B5546F-C09B-4E63-ABC5-F7C86A7E8D66}" type="datetimeFigureOut">
               <a:rPr lang="en-US" smtClean="0"/>
               <a:pPr/>
-              <a:t>2/21/2020</a:t>
+              <a:t>9/24/2022</a:t>
             </a:fld>
             <a:endParaRPr lang="en-US"/>
           </a:p>
@@ -2015,7 +2016,7 @@
             <a:fld id="{86B5546F-C09B-4E63-ABC5-F7C86A7E8D66}" type="datetimeFigureOut">
               <a:rPr lang="en-US" smtClean="0"/>
               <a:pPr/>
-              <a:t>2/21/2020</a:t>
+              <a:t>9/24/2022</a:t>
             </a:fld>
             <a:endParaRPr lang="en-US"/>
           </a:p>
@@ -2294,7 +2295,7 @@
             <a:fld id="{86B5546F-C09B-4E63-ABC5-F7C86A7E8D66}" type="datetimeFigureOut">
               <a:rPr lang="en-US" smtClean="0"/>
               <a:pPr/>
-              <a:t>2/21/2020</a:t>
+              <a:t>9/24/2022</a:t>
             </a:fld>
             <a:endParaRPr lang="en-US"/>
           </a:p>
@@ -2553,7 +2554,7 @@
             <a:fld id="{86B5546F-C09B-4E63-ABC5-F7C86A7E8D66}" type="datetimeFigureOut">
               <a:rPr lang="en-US" smtClean="0"/>
               <a:pPr/>
-              <a:t>2/21/2020</a:t>
+              <a:t>9/24/2022</a:t>
             </a:fld>
             <a:endParaRPr lang="en-US"/>
           </a:p>
@@ -2773,7 +2774,7 @@
             <a:fld id="{86B5546F-C09B-4E63-ABC5-F7C86A7E8D66}" type="datetimeFigureOut">
               <a:rPr lang="en-US" smtClean="0"/>
               <a:pPr/>
-              <a:t>2/21/2020</a:t>
+              <a:t>9/24/2022</a:t>
             </a:fld>
             <a:endParaRPr lang="en-US"/>
           </a:p>
@@ -3220,7 +3221,7 @@
             <a:r>
               <a:rPr lang="zh-CN" altLang="en-US" b="1" dirty="0">
                 <a:solidFill>
-                  <a:srgbClr val="002060"/>
+                  <a:srgbClr val="000066"/>
                 </a:solidFill>
                 <a:latin typeface="微軟正黑體" pitchFamily="34" charset="-120"/>
                 <a:ea typeface="微軟正黑體" pitchFamily="34" charset="-120"/>
@@ -3230,7 +3231,7 @@
             <a:r>
               <a:rPr lang="en-US" altLang="zh-CN" b="1" dirty="0">
                 <a:solidFill>
-                  <a:srgbClr val="002060"/>
+                  <a:srgbClr val="000066"/>
                 </a:solidFill>
                 <a:latin typeface="微軟正黑體" pitchFamily="34" charset="-120"/>
                 <a:ea typeface="微軟正黑體" pitchFamily="34" charset="-120"/>
@@ -3240,7 +3241,7 @@
             <a:r>
               <a:rPr lang="zh-CN" altLang="en-US" b="1" dirty="0">
                 <a:solidFill>
-                  <a:srgbClr val="002060"/>
+                  <a:srgbClr val="000066"/>
                 </a:solidFill>
                 <a:latin typeface="微軟正黑體" pitchFamily="34" charset="-120"/>
                 <a:ea typeface="微軟正黑體" pitchFamily="34" charset="-120"/>
@@ -3250,7 +3251,7 @@
             <a:r>
               <a:rPr lang="en-US" altLang="zh-CN" b="1" dirty="0">
                 <a:solidFill>
-                  <a:srgbClr val="002060"/>
+                  <a:srgbClr val="000066"/>
                 </a:solidFill>
                 <a:latin typeface="微軟正黑體" pitchFamily="34" charset="-120"/>
                 <a:ea typeface="微軟正黑體" pitchFamily="34" charset="-120"/>
@@ -3260,7 +3261,7 @@
             <a:r>
               <a:rPr lang="zh-CN" altLang="en-US" b="1" dirty="0">
                 <a:solidFill>
-                  <a:srgbClr val="002060"/>
+                  <a:srgbClr val="000066"/>
                 </a:solidFill>
                 <a:latin typeface="微軟正黑體" pitchFamily="34" charset="-120"/>
                 <a:ea typeface="微軟正黑體" pitchFamily="34" charset="-120"/>
@@ -3270,7 +3271,7 @@
             <a:r>
               <a:rPr lang="en-US" altLang="zh-CN" b="1" dirty="0">
                 <a:solidFill>
-                  <a:srgbClr val="002060"/>
+                  <a:srgbClr val="000066"/>
                 </a:solidFill>
                 <a:latin typeface="微軟正黑體" pitchFamily="34" charset="-120"/>
                 <a:ea typeface="微軟正黑體" pitchFamily="34" charset="-120"/>
@@ -3280,7 +3281,7 @@
             <a:r>
               <a:rPr lang="zh-CN" altLang="en-US" b="1" dirty="0">
                 <a:solidFill>
-                  <a:srgbClr val="002060"/>
+                  <a:srgbClr val="000066"/>
                 </a:solidFill>
                 <a:latin typeface="微軟正黑體" pitchFamily="34" charset="-120"/>
                 <a:ea typeface="微軟正黑體" pitchFamily="34" charset="-120"/>
@@ -3290,7 +3291,7 @@
             <a:r>
               <a:rPr lang="en-US" altLang="zh-CN" b="1" dirty="0">
                 <a:solidFill>
-                  <a:srgbClr val="002060"/>
+                  <a:srgbClr val="000066"/>
                 </a:solidFill>
                 <a:latin typeface="微軟正黑體" pitchFamily="34" charset="-120"/>
                 <a:ea typeface="微軟正黑體" pitchFamily="34" charset="-120"/>
@@ -3300,7 +3301,7 @@
             <a:r>
               <a:rPr lang="zh-CN" altLang="en-US" b="1" dirty="0">
                 <a:solidFill>
-                  <a:srgbClr val="002060"/>
+                  <a:srgbClr val="000066"/>
                 </a:solidFill>
                 <a:latin typeface="微軟正黑體" pitchFamily="34" charset="-120"/>
                 <a:ea typeface="微軟正黑體" pitchFamily="34" charset="-120"/>
@@ -3310,7 +3311,7 @@
             <a:r>
               <a:rPr lang="en-US" altLang="zh-CN" b="1" dirty="0" smtClean="0">
                 <a:solidFill>
-                  <a:srgbClr val="002060"/>
+                  <a:srgbClr val="000066"/>
                 </a:solidFill>
                 <a:latin typeface="微軟正黑體" pitchFamily="34" charset="-120"/>
                 <a:ea typeface="微軟正黑體" pitchFamily="34" charset="-120"/>
@@ -3322,7 +3323,7 @@
             <a:r>
               <a:rPr lang="zh-CN" altLang="en-US" b="1" dirty="0" smtClean="0">
                 <a:solidFill>
-                  <a:srgbClr val="002060"/>
+                  <a:srgbClr val="000066"/>
                 </a:solidFill>
                 <a:latin typeface="微軟正黑體" pitchFamily="34" charset="-120"/>
                 <a:ea typeface="微軟正黑體" pitchFamily="34" charset="-120"/>
@@ -3332,7 +3333,7 @@
             <a:r>
               <a:rPr lang="zh-CN" altLang="en-US" b="1" dirty="0">
                 <a:solidFill>
-                  <a:srgbClr val="002060"/>
+                  <a:srgbClr val="000066"/>
                 </a:solidFill>
                 <a:latin typeface="微軟正黑體" pitchFamily="34" charset="-120"/>
                 <a:ea typeface="微軟正黑體" pitchFamily="34" charset="-120"/>
@@ -3342,7 +3343,7 @@
             <a:r>
               <a:rPr lang="en-US" altLang="zh-CN" b="1" dirty="0">
                 <a:solidFill>
-                  <a:srgbClr val="002060"/>
+                  <a:srgbClr val="000066"/>
                 </a:solidFill>
                 <a:latin typeface="微軟正黑體" pitchFamily="34" charset="-120"/>
                 <a:ea typeface="微軟正黑體" pitchFamily="34" charset="-120"/>
@@ -3352,7 +3353,7 @@
             <a:r>
               <a:rPr lang="zh-CN" altLang="en-US" b="1" dirty="0">
                 <a:solidFill>
-                  <a:srgbClr val="002060"/>
+                  <a:srgbClr val="000066"/>
                 </a:solidFill>
                 <a:latin typeface="微軟正黑體" pitchFamily="34" charset="-120"/>
                 <a:ea typeface="微軟正黑體" pitchFamily="34" charset="-120"/>
@@ -3362,7 +3363,7 @@
             <a:r>
               <a:rPr lang="en-US" altLang="zh-CN" b="1" dirty="0">
                 <a:solidFill>
-                  <a:srgbClr val="002060"/>
+                  <a:srgbClr val="000066"/>
                 </a:solidFill>
                 <a:latin typeface="微軟正黑體" pitchFamily="34" charset="-120"/>
                 <a:ea typeface="微軟正黑體" pitchFamily="34" charset="-120"/>
@@ -3372,7 +3373,7 @@
             <a:r>
               <a:rPr lang="zh-CN" altLang="en-US" b="1" dirty="0">
                 <a:solidFill>
-                  <a:srgbClr val="002060"/>
+                  <a:srgbClr val="000066"/>
                 </a:solidFill>
                 <a:latin typeface="微軟正黑體" pitchFamily="34" charset="-120"/>
                 <a:ea typeface="微軟正黑體" pitchFamily="34" charset="-120"/>
@@ -3382,7 +3383,7 @@
             <a:r>
               <a:rPr lang="en-US" altLang="zh-CN" b="1" dirty="0">
                 <a:solidFill>
-                  <a:srgbClr val="002060"/>
+                  <a:srgbClr val="000066"/>
                 </a:solidFill>
                 <a:latin typeface="微軟正黑體" pitchFamily="34" charset="-120"/>
                 <a:ea typeface="微軟正黑體" pitchFamily="34" charset="-120"/>
@@ -3392,7 +3393,7 @@
             <a:r>
               <a:rPr lang="zh-CN" altLang="en-US" b="1" dirty="0">
                 <a:solidFill>
-                  <a:srgbClr val="002060"/>
+                  <a:srgbClr val="000066"/>
                 </a:solidFill>
                 <a:latin typeface="微軟正黑體" pitchFamily="34" charset="-120"/>
                 <a:ea typeface="微軟正黑體" pitchFamily="34" charset="-120"/>
@@ -3402,7 +3403,7 @@
             <a:r>
               <a:rPr lang="en-US" altLang="zh-CN" b="1" dirty="0">
                 <a:solidFill>
-                  <a:srgbClr val="002060"/>
+                  <a:srgbClr val="000066"/>
                 </a:solidFill>
                 <a:latin typeface="微軟正黑體" pitchFamily="34" charset="-120"/>
                 <a:ea typeface="微軟正黑體" pitchFamily="34" charset="-120"/>
@@ -3411,7 +3412,7 @@
             </a:r>
             <a:endParaRPr lang="en-US" b="1" dirty="0">
               <a:solidFill>
-                <a:srgbClr val="002060"/>
+                <a:srgbClr val="000066"/>
               </a:solidFill>
               <a:latin typeface="微軟正黑體" pitchFamily="34" charset="-120"/>
               <a:ea typeface="微軟正黑體" pitchFamily="34" charset="-120"/>
@@ -3461,7 +3462,7 @@
           </a:xfrm>
         </p:spPr>
         <p:txBody>
-          <a:bodyPr>
+          <a:bodyPr anchor="ctr">
             <a:normAutofit/>
           </a:bodyPr>
           <a:lstStyle/>
@@ -3553,8 +3554,8 @@
           </a:xfrm>
         </p:spPr>
         <p:txBody>
-          <a:bodyPr>
-            <a:normAutofit lnSpcReduction="10000"/>
+          <a:bodyPr anchor="ctr">
+            <a:normAutofit/>
           </a:bodyPr>
           <a:lstStyle/>
           <a:p>
@@ -3585,39 +3586,10 @@
                 <a:latin typeface="微軟正黑體" pitchFamily="34" charset="-120"/>
                 <a:ea typeface="微軟正黑體" pitchFamily="34" charset="-120"/>
               </a:rPr>
-              <a:t>有一朵雲彩把他接去，便看不見他了。</a:t>
-            </a:r>
-            <a:r>
-              <a:rPr lang="en-US" altLang="zh-TW" sz="6400" b="1" dirty="0">
-                <a:solidFill>
-                  <a:srgbClr val="000066"/>
-                </a:solidFill>
-                <a:latin typeface="微軟正黑體" pitchFamily="34" charset="-120"/>
-                <a:ea typeface="微軟正黑體" pitchFamily="34" charset="-120"/>
-              </a:rPr>
-              <a:t> </a:t>
-            </a:r>
-            <a:endParaRPr lang="en-US" altLang="zh-TW" sz="6400" b="1" dirty="0">
-              <a:solidFill>
-                <a:srgbClr val="000066"/>
-              </a:solidFill>
-              <a:latin typeface="微軟正黑體" pitchFamily="34" charset="-120"/>
-              <a:ea typeface="微軟正黑體" pitchFamily="34" charset="-120"/>
-            </a:endParaRPr>
-          </a:p>
-          <a:p>
-            <a:r>
-              <a:rPr lang="zh-TW" altLang="en-US" sz="6400" dirty="0">
-                <a:solidFill>
-                  <a:srgbClr val="000066"/>
-                </a:solidFill>
-                <a:latin typeface="微軟正黑體" pitchFamily="34" charset="-120"/>
-                <a:ea typeface="微軟正黑體" pitchFamily="34" charset="-120"/>
-              </a:rPr>
-              <a:t>這離開你們被接升天的耶穌，你們見他怎樣往天上去，他還要怎樣來</a:t>
-            </a:r>
-            <a:r>
-              <a:rPr lang="zh-TW" altLang="en-US" sz="6400" dirty="0">
+              <a:t>有一朵雲彩把他接去，便看不見他了</a:t>
+            </a:r>
+            <a:r>
+              <a:rPr lang="zh-TW" altLang="en-US" sz="6400" b="1" dirty="0" smtClean="0">
                 <a:solidFill>
                   <a:srgbClr val="000066"/>
                 </a:solidFill>
@@ -3625,16 +3597,6 @@
                 <a:ea typeface="微軟正黑體" pitchFamily="34" charset="-120"/>
               </a:rPr>
               <a:t>。</a:t>
-            </a:r>
-            <a:r>
-              <a:rPr lang="en-US" altLang="zh-TW" sz="6400" dirty="0">
-                <a:solidFill>
-                  <a:srgbClr val="000066"/>
-                </a:solidFill>
-                <a:latin typeface="微軟正黑體" pitchFamily="34" charset="-120"/>
-                <a:ea typeface="微軟正黑體" pitchFamily="34" charset="-120"/>
-              </a:rPr>
-              <a:t> </a:t>
             </a:r>
             <a:endParaRPr lang="en-US" altLang="zh-TW" sz="6400" dirty="0">
               <a:solidFill>
@@ -3693,35 +3655,48 @@
           </a:xfrm>
         </p:spPr>
         <p:txBody>
-          <a:bodyPr>
+          <a:bodyPr anchor="ctr">
             <a:normAutofit/>
           </a:bodyPr>
           <a:lstStyle/>
           <a:p>
             <a:r>
-              <a:rPr lang="zh-TW" altLang="en-US" sz="6400" b="1" dirty="0">
+              <a:rPr lang="zh-TW" altLang="en-US" sz="6400" dirty="0" smtClean="0">
                 <a:solidFill>
                   <a:srgbClr val="000066"/>
                 </a:solidFill>
                 <a:latin typeface="微軟正黑體" pitchFamily="34" charset="-120"/>
                 <a:ea typeface="微軟正黑體" pitchFamily="34" charset="-120"/>
               </a:rPr>
-              <a:t>因為主必親自從天降臨，有呼叫的聲音和天使長的聲音，又有神的號吹響；那在基督裡死了的人必先復活。</a:t>
-            </a:r>
-            <a:endParaRPr lang="en-US" altLang="zh-TW" sz="6400" b="1" dirty="0">
-              <a:solidFill>
-                <a:srgbClr val="000066"/>
-              </a:solidFill>
-              <a:latin typeface="微軟正黑體" pitchFamily="34" charset="-120"/>
-              <a:ea typeface="微軟正黑體" pitchFamily="34" charset="-120"/>
-            </a:endParaRPr>
+              <a:t>這</a:t>
+            </a:r>
+            <a:r>
+              <a:rPr lang="zh-TW" altLang="en-US" sz="6400" dirty="0">
+                <a:solidFill>
+                  <a:srgbClr val="000066"/>
+                </a:solidFill>
+                <a:latin typeface="微軟正黑體" pitchFamily="34" charset="-120"/>
+                <a:ea typeface="微軟正黑體" pitchFamily="34" charset="-120"/>
+              </a:rPr>
+              <a:t>離開你們被接升天的耶穌，你們見他怎樣往天上去，他還要怎樣來。</a:t>
+            </a:r>
+            <a:r>
+              <a:rPr lang="en-US" altLang="zh-TW" sz="6400" dirty="0">
+                <a:solidFill>
+                  <a:srgbClr val="000066"/>
+                </a:solidFill>
+                <a:latin typeface="微軟正黑體" pitchFamily="34" charset="-120"/>
+                <a:ea typeface="微軟正黑體" pitchFamily="34" charset="-120"/>
+              </a:rPr>
+              <a:t> </a:t>
+            </a:r>
           </a:p>
         </p:txBody>
       </p:sp>
     </p:spTree>
     <p:extLst>
       <p:ext uri="{BB962C8B-B14F-4D97-AF65-F5344CB8AC3E}">
-        <p14:creationId xmlns:p14="http://schemas.microsoft.com/office/powerpoint/2010/main" val="261916539"/>
+        <p14:creationId xmlns:p14="http://schemas.microsoft.com/office/powerpoint/2010/main" val="864029455"/>
       </p:ext>
     </p:extLst>
   </p:cSld>
@@ -3765,22 +3740,22 @@
           </a:xfrm>
         </p:spPr>
         <p:txBody>
-          <a:bodyPr>
+          <a:bodyPr anchor="ctr">
             <a:normAutofit/>
           </a:bodyPr>
           <a:lstStyle/>
           <a:p>
             <a:r>
-              <a:rPr lang="zh-TW" altLang="en-US" sz="6400" dirty="0">
+              <a:rPr lang="zh-TW" altLang="en-US" sz="6400" b="1" dirty="0">
                 <a:solidFill>
                   <a:srgbClr val="000066"/>
                 </a:solidFill>
                 <a:latin typeface="微軟正黑體" pitchFamily="34" charset="-120"/>
                 <a:ea typeface="微軟正黑體" pitchFamily="34" charset="-120"/>
               </a:rPr>
-              <a:t>以後我們這活著還存留的人必和他們一同被提到雲裡，在空中與主相遇。這樣，我們就要和主永遠同在。</a:t>
-            </a:r>
-            <a:endParaRPr lang="en-US" altLang="zh-TW" sz="6400" dirty="0">
+              <a:t>因為主必親自從天降臨，有呼叫的聲音和天使長的聲音，又有神的號吹響；那在基督裡死了的人必先復活。</a:t>
+            </a:r>
+            <a:endParaRPr lang="en-US" altLang="zh-TW" sz="6400" b="1" dirty="0">
               <a:solidFill>
                 <a:srgbClr val="000066"/>
               </a:solidFill>
@@ -3793,7 +3768,7 @@
     </p:spTree>
     <p:extLst>
       <p:ext uri="{BB962C8B-B14F-4D97-AF65-F5344CB8AC3E}">
-        <p14:creationId xmlns:p14="http://schemas.microsoft.com/office/powerpoint/2010/main" val="1815017504"/>
+        <p14:creationId xmlns:p14="http://schemas.microsoft.com/office/powerpoint/2010/main" val="261916539"/>
       </p:ext>
     </p:extLst>
   </p:cSld>
@@ -3837,7 +3812,79 @@
           </a:xfrm>
         </p:spPr>
         <p:txBody>
-          <a:bodyPr>
+          <a:bodyPr anchor="ctr">
+            <a:normAutofit/>
+          </a:bodyPr>
+          <a:lstStyle/>
+          <a:p>
+            <a:r>
+              <a:rPr lang="zh-TW" altLang="en-US" sz="6400" dirty="0">
+                <a:solidFill>
+                  <a:srgbClr val="000066"/>
+                </a:solidFill>
+                <a:latin typeface="微軟正黑體" pitchFamily="34" charset="-120"/>
+                <a:ea typeface="微軟正黑體" pitchFamily="34" charset="-120"/>
+              </a:rPr>
+              <a:t>以後我們這活著還存留的人必和他們一同被提到雲裡，在空中與主相遇。這樣，我們就要和主永遠同在。</a:t>
+            </a:r>
+            <a:endParaRPr lang="en-US" altLang="zh-TW" sz="6400" dirty="0">
+              <a:solidFill>
+                <a:srgbClr val="000066"/>
+              </a:solidFill>
+              <a:latin typeface="微軟正黑體" pitchFamily="34" charset="-120"/>
+              <a:ea typeface="微軟正黑體" pitchFamily="34" charset="-120"/>
+            </a:endParaRPr>
+          </a:p>
+        </p:txBody>
+      </p:sp>
+    </p:spTree>
+    <p:extLst>
+      <p:ext uri="{BB962C8B-B14F-4D97-AF65-F5344CB8AC3E}">
+        <p14:creationId xmlns:p14="http://schemas.microsoft.com/office/powerpoint/2010/main" val="1815017504"/>
+      </p:ext>
+    </p:extLst>
+  </p:cSld>
+  <p:clrMapOvr>
+    <a:masterClrMapping/>
+  </p:clrMapOvr>
+</p:sld>
+</file>
+
+<file path=ppt/slides/slide7.xml><?xml version="1.0" encoding="utf-8"?>
+<p:sld xmlns:a="http://schemas.openxmlformats.org/drawingml/2006/main" xmlns:r="http://schemas.openxmlformats.org/officeDocument/2006/relationships" xmlns:p="http://schemas.openxmlformats.org/presentationml/2006/main">
+  <p:cSld>
+    <p:spTree>
+      <p:nvGrpSpPr>
+        <p:cNvPr id="1" name=""/>
+        <p:cNvGrpSpPr/>
+        <p:nvPr/>
+      </p:nvGrpSpPr>
+      <p:grpSpPr>
+        <a:xfrm>
+          <a:off x="0" y="0"/>
+          <a:ext cx="0" cy="0"/>
+          <a:chOff x="0" y="0"/>
+          <a:chExt cx="0" cy="0"/>
+        </a:xfrm>
+      </p:grpSpPr>
+      <p:sp>
+        <p:nvSpPr>
+          <p:cNvPr id="3" name="Content Placeholder 2"/>
+          <p:cNvSpPr>
+            <a:spLocks noGrp="1"/>
+          </p:cNvSpPr>
+          <p:nvPr>
+            <p:ph idx="1"/>
+          </p:nvPr>
+        </p:nvSpPr>
+        <p:spPr>
+          <a:xfrm>
+            <a:off x="152400" y="0"/>
+            <a:ext cx="11582400" cy="6858000"/>
+          </a:xfrm>
+        </p:spPr>
+        <p:txBody>
+          <a:bodyPr anchor="ctr">
             <a:normAutofit/>
           </a:bodyPr>
           <a:lstStyle/>
